--- a/ppt 16-9/1021.主真甜蜜.pptx
+++ b/ppt 16-9/1021.主真甜蜜.pptx
@@ -5,7 +5,7 @@
     <p:sldMasterId id="2147483648" r:id="rId1"/>
   </p:sldMasterIdLst>
   <p:sldIdLst>
-    <p:sldId id="445" r:id="rId2"/>
+    <p:sldId id="446" r:id="rId2"/>
   </p:sldIdLst>
   <p:sldSz cx="12192000" cy="6858000"/>
   <p:notesSz cx="6858000" cy="9144000"/>
@@ -129,7 +129,7 @@
           <p:cNvPr id="2" name="标题 1">
             <a:extLst>
               <a:ext uri="{FF2B5EF4-FFF2-40B4-BE49-F238E27FC236}">
-                <a16:creationId xmlns:a16="http://schemas.microsoft.com/office/drawing/2014/main" id="{8D591780-8B1A-B318-C056-A4B98F08D8E6}"/>
+                <a16:creationId xmlns:a16="http://schemas.microsoft.com/office/drawing/2014/main" id="{5A94DBD3-DA28-BC0D-0818-3CE104A379F0}"/>
               </a:ext>
             </a:extLst>
           </p:cNvPr>
@@ -166,7 +166,7 @@
           <p:cNvPr id="3" name="副标题 2">
             <a:extLst>
               <a:ext uri="{FF2B5EF4-FFF2-40B4-BE49-F238E27FC236}">
-                <a16:creationId xmlns:a16="http://schemas.microsoft.com/office/drawing/2014/main" id="{75AF1838-FA0C-C90A-E42D-473CCDAE0E1E}"/>
+                <a16:creationId xmlns:a16="http://schemas.microsoft.com/office/drawing/2014/main" id="{33E1F3B1-A2C4-F029-AAC4-DAD10AA07420}"/>
               </a:ext>
             </a:extLst>
           </p:cNvPr>
@@ -236,7 +236,7 @@
           <p:cNvPr id="4" name="日期占位符 3">
             <a:extLst>
               <a:ext uri="{FF2B5EF4-FFF2-40B4-BE49-F238E27FC236}">
-                <a16:creationId xmlns:a16="http://schemas.microsoft.com/office/drawing/2014/main" id="{0F90703B-89FF-0FD2-F63C-3BB6D6A1B2E8}"/>
+                <a16:creationId xmlns:a16="http://schemas.microsoft.com/office/drawing/2014/main" id="{B8C69EAB-EE88-A527-EB60-01DE2BAA95C7}"/>
               </a:ext>
             </a:extLst>
           </p:cNvPr>
@@ -252,7 +252,7 @@
           <a:bodyPr/>
           <a:lstStyle/>
           <a:p>
-            <a:fld id="{AD218DC9-BBA5-46FD-B859-E5335E19F267}" type="datetimeFigureOut">
+            <a:fld id="{04C7B844-370A-47E7-96BD-B32B3EDDCE53}" type="datetimeFigureOut">
               <a:rPr lang="zh-CN" altLang="en-US" smtClean="0"/>
               <a:t>2024/3/10</a:t>
             </a:fld>
@@ -265,7 +265,7 @@
           <p:cNvPr id="5" name="页脚占位符 4">
             <a:extLst>
               <a:ext uri="{FF2B5EF4-FFF2-40B4-BE49-F238E27FC236}">
-                <a16:creationId xmlns:a16="http://schemas.microsoft.com/office/drawing/2014/main" id="{B10D5413-2624-1741-0C17-446FD8BF5C7B}"/>
+                <a16:creationId xmlns:a16="http://schemas.microsoft.com/office/drawing/2014/main" id="{99CCDD33-4E8E-B812-AD16-DF78D21DBDD0}"/>
               </a:ext>
             </a:extLst>
           </p:cNvPr>
@@ -290,7 +290,7 @@
           <p:cNvPr id="6" name="灯片编号占位符 5">
             <a:extLst>
               <a:ext uri="{FF2B5EF4-FFF2-40B4-BE49-F238E27FC236}">
-                <a16:creationId xmlns:a16="http://schemas.microsoft.com/office/drawing/2014/main" id="{FDB3D1AA-CB30-2BB8-DD2D-D60D65FCB7F2}"/>
+                <a16:creationId xmlns:a16="http://schemas.microsoft.com/office/drawing/2014/main" id="{12EB43D0-F897-594F-80E2-AFCA4F9209D8}"/>
               </a:ext>
             </a:extLst>
           </p:cNvPr>
@@ -306,7 +306,7 @@
           <a:bodyPr/>
           <a:lstStyle/>
           <a:p>
-            <a:fld id="{78E61504-21A7-4A53-9DAF-D3614DFE30F6}" type="slidenum">
+            <a:fld id="{EE006A82-9F4E-416B-B8D3-9E3A65DBC383}" type="slidenum">
               <a:rPr lang="zh-CN" altLang="en-US" smtClean="0"/>
               <a:t>‹#›</a:t>
             </a:fld>
@@ -317,7 +317,7 @@
     </p:spTree>
     <p:extLst>
       <p:ext uri="{BB962C8B-B14F-4D97-AF65-F5344CB8AC3E}">
-        <p14:creationId xmlns:p14="http://schemas.microsoft.com/office/powerpoint/2010/main" val="2476373754"/>
+        <p14:creationId xmlns:p14="http://schemas.microsoft.com/office/powerpoint/2010/main" val="1370885234"/>
       </p:ext>
     </p:extLst>
   </p:cSld>
@@ -349,7 +349,7 @@
           <p:cNvPr id="2" name="标题 1">
             <a:extLst>
               <a:ext uri="{FF2B5EF4-FFF2-40B4-BE49-F238E27FC236}">
-                <a16:creationId xmlns:a16="http://schemas.microsoft.com/office/drawing/2014/main" id="{71320D62-3864-CEC7-9114-DD9D20A045AF}"/>
+                <a16:creationId xmlns:a16="http://schemas.microsoft.com/office/drawing/2014/main" id="{61312622-7C1E-1108-5315-5B628586381A}"/>
               </a:ext>
             </a:extLst>
           </p:cNvPr>
@@ -377,7 +377,7 @@
           <p:cNvPr id="3" name="竖排文字占位符 2">
             <a:extLst>
               <a:ext uri="{FF2B5EF4-FFF2-40B4-BE49-F238E27FC236}">
-                <a16:creationId xmlns:a16="http://schemas.microsoft.com/office/drawing/2014/main" id="{DB05AD3B-5A9D-D36B-1BDC-718B83F2F2A2}"/>
+                <a16:creationId xmlns:a16="http://schemas.microsoft.com/office/drawing/2014/main" id="{CADA6F1A-7F18-92BD-5CCF-BB5C34EA44AA}"/>
               </a:ext>
             </a:extLst>
           </p:cNvPr>
@@ -434,7 +434,7 @@
           <p:cNvPr id="4" name="日期占位符 3">
             <a:extLst>
               <a:ext uri="{FF2B5EF4-FFF2-40B4-BE49-F238E27FC236}">
-                <a16:creationId xmlns:a16="http://schemas.microsoft.com/office/drawing/2014/main" id="{EDDF0DBD-DDF0-3C14-0A27-4A9CEE3B981C}"/>
+                <a16:creationId xmlns:a16="http://schemas.microsoft.com/office/drawing/2014/main" id="{FC01F64C-B060-FA12-9E54-2ED1DC7C0F25}"/>
               </a:ext>
             </a:extLst>
           </p:cNvPr>
@@ -450,7 +450,7 @@
           <a:bodyPr/>
           <a:lstStyle/>
           <a:p>
-            <a:fld id="{AD218DC9-BBA5-46FD-B859-E5335E19F267}" type="datetimeFigureOut">
+            <a:fld id="{04C7B844-370A-47E7-96BD-B32B3EDDCE53}" type="datetimeFigureOut">
               <a:rPr lang="zh-CN" altLang="en-US" smtClean="0"/>
               <a:t>2024/3/10</a:t>
             </a:fld>
@@ -463,7 +463,7 @@
           <p:cNvPr id="5" name="页脚占位符 4">
             <a:extLst>
               <a:ext uri="{FF2B5EF4-FFF2-40B4-BE49-F238E27FC236}">
-                <a16:creationId xmlns:a16="http://schemas.microsoft.com/office/drawing/2014/main" id="{0D041AB4-AFDC-5B4A-C100-A157E1AA0EAE}"/>
+                <a16:creationId xmlns:a16="http://schemas.microsoft.com/office/drawing/2014/main" id="{E9002B77-C776-2BA9-4BD9-BDD940596F5F}"/>
               </a:ext>
             </a:extLst>
           </p:cNvPr>
@@ -488,7 +488,7 @@
           <p:cNvPr id="6" name="灯片编号占位符 5">
             <a:extLst>
               <a:ext uri="{FF2B5EF4-FFF2-40B4-BE49-F238E27FC236}">
-                <a16:creationId xmlns:a16="http://schemas.microsoft.com/office/drawing/2014/main" id="{5C8E480B-7C19-B00A-C9EE-DA6C4D5B3308}"/>
+                <a16:creationId xmlns:a16="http://schemas.microsoft.com/office/drawing/2014/main" id="{A0FD490A-F947-4C1A-6AC7-EC439044A8CA}"/>
               </a:ext>
             </a:extLst>
           </p:cNvPr>
@@ -504,7 +504,7 @@
           <a:bodyPr/>
           <a:lstStyle/>
           <a:p>
-            <a:fld id="{78E61504-21A7-4A53-9DAF-D3614DFE30F6}" type="slidenum">
+            <a:fld id="{EE006A82-9F4E-416B-B8D3-9E3A65DBC383}" type="slidenum">
               <a:rPr lang="zh-CN" altLang="en-US" smtClean="0"/>
               <a:t>‹#›</a:t>
             </a:fld>
@@ -515,7 +515,7 @@
     </p:spTree>
     <p:extLst>
       <p:ext uri="{BB962C8B-B14F-4D97-AF65-F5344CB8AC3E}">
-        <p14:creationId xmlns:p14="http://schemas.microsoft.com/office/powerpoint/2010/main" val="2545243155"/>
+        <p14:creationId xmlns:p14="http://schemas.microsoft.com/office/powerpoint/2010/main" val="1608997838"/>
       </p:ext>
     </p:extLst>
   </p:cSld>
@@ -547,7 +547,7 @@
           <p:cNvPr id="2" name="竖排标题 1">
             <a:extLst>
               <a:ext uri="{FF2B5EF4-FFF2-40B4-BE49-F238E27FC236}">
-                <a16:creationId xmlns:a16="http://schemas.microsoft.com/office/drawing/2014/main" id="{99DB2069-1BB4-8079-3BCB-6AD315A755E1}"/>
+                <a16:creationId xmlns:a16="http://schemas.microsoft.com/office/drawing/2014/main" id="{271A0E27-0C09-F9EC-971B-859DAEEF3C51}"/>
               </a:ext>
             </a:extLst>
           </p:cNvPr>
@@ -580,7 +580,7 @@
           <p:cNvPr id="3" name="竖排文字占位符 2">
             <a:extLst>
               <a:ext uri="{FF2B5EF4-FFF2-40B4-BE49-F238E27FC236}">
-                <a16:creationId xmlns:a16="http://schemas.microsoft.com/office/drawing/2014/main" id="{108DF60A-8727-CA83-75B9-7C576D3C16E3}"/>
+                <a16:creationId xmlns:a16="http://schemas.microsoft.com/office/drawing/2014/main" id="{783D9CDD-0E7B-8DEB-48E9-30308E0C4968}"/>
               </a:ext>
             </a:extLst>
           </p:cNvPr>
@@ -642,7 +642,7 @@
           <p:cNvPr id="4" name="日期占位符 3">
             <a:extLst>
               <a:ext uri="{FF2B5EF4-FFF2-40B4-BE49-F238E27FC236}">
-                <a16:creationId xmlns:a16="http://schemas.microsoft.com/office/drawing/2014/main" id="{A8CBD242-F6E0-4A6E-934B-D44DEB74BB1C}"/>
+                <a16:creationId xmlns:a16="http://schemas.microsoft.com/office/drawing/2014/main" id="{36590554-C1D5-1C33-25E5-EB67D23B3FC6}"/>
               </a:ext>
             </a:extLst>
           </p:cNvPr>
@@ -658,7 +658,7 @@
           <a:bodyPr/>
           <a:lstStyle/>
           <a:p>
-            <a:fld id="{AD218DC9-BBA5-46FD-B859-E5335E19F267}" type="datetimeFigureOut">
+            <a:fld id="{04C7B844-370A-47E7-96BD-B32B3EDDCE53}" type="datetimeFigureOut">
               <a:rPr lang="zh-CN" altLang="en-US" smtClean="0"/>
               <a:t>2024/3/10</a:t>
             </a:fld>
@@ -671,7 +671,7 @@
           <p:cNvPr id="5" name="页脚占位符 4">
             <a:extLst>
               <a:ext uri="{FF2B5EF4-FFF2-40B4-BE49-F238E27FC236}">
-                <a16:creationId xmlns:a16="http://schemas.microsoft.com/office/drawing/2014/main" id="{7317A3AF-4D5C-AAA6-3B84-73EFEE99770D}"/>
+                <a16:creationId xmlns:a16="http://schemas.microsoft.com/office/drawing/2014/main" id="{AB3DA404-D01F-6BCA-8F95-53507BE1A705}"/>
               </a:ext>
             </a:extLst>
           </p:cNvPr>
@@ -696,7 +696,7 @@
           <p:cNvPr id="6" name="灯片编号占位符 5">
             <a:extLst>
               <a:ext uri="{FF2B5EF4-FFF2-40B4-BE49-F238E27FC236}">
-                <a16:creationId xmlns:a16="http://schemas.microsoft.com/office/drawing/2014/main" id="{715E625A-E75D-D066-4004-5CF04A2A1A7E}"/>
+                <a16:creationId xmlns:a16="http://schemas.microsoft.com/office/drawing/2014/main" id="{815FA91C-46F6-0147-C290-F628C1A54ACA}"/>
               </a:ext>
             </a:extLst>
           </p:cNvPr>
@@ -712,7 +712,7 @@
           <a:bodyPr/>
           <a:lstStyle/>
           <a:p>
-            <a:fld id="{78E61504-21A7-4A53-9DAF-D3614DFE30F6}" type="slidenum">
+            <a:fld id="{EE006A82-9F4E-416B-B8D3-9E3A65DBC383}" type="slidenum">
               <a:rPr lang="zh-CN" altLang="en-US" smtClean="0"/>
               <a:t>‹#›</a:t>
             </a:fld>
@@ -723,7 +723,7 @@
     </p:spTree>
     <p:extLst>
       <p:ext uri="{BB962C8B-B14F-4D97-AF65-F5344CB8AC3E}">
-        <p14:creationId xmlns:p14="http://schemas.microsoft.com/office/powerpoint/2010/main" val="3777850814"/>
+        <p14:creationId xmlns:p14="http://schemas.microsoft.com/office/powerpoint/2010/main" val="442315931"/>
       </p:ext>
     </p:extLst>
   </p:cSld>
@@ -755,7 +755,7 @@
           <p:cNvPr id="2" name="标题 1">
             <a:extLst>
               <a:ext uri="{FF2B5EF4-FFF2-40B4-BE49-F238E27FC236}">
-                <a16:creationId xmlns:a16="http://schemas.microsoft.com/office/drawing/2014/main" id="{95784040-48BB-1BB8-F85F-B21510B62F7D}"/>
+                <a16:creationId xmlns:a16="http://schemas.microsoft.com/office/drawing/2014/main" id="{7619BD50-6C92-7F04-6249-61012E78CB5A}"/>
               </a:ext>
             </a:extLst>
           </p:cNvPr>
@@ -783,7 +783,7 @@
           <p:cNvPr id="3" name="内容占位符 2">
             <a:extLst>
               <a:ext uri="{FF2B5EF4-FFF2-40B4-BE49-F238E27FC236}">
-                <a16:creationId xmlns:a16="http://schemas.microsoft.com/office/drawing/2014/main" id="{E2C68DD3-DD44-1757-52F2-9F081BB54528}"/>
+                <a16:creationId xmlns:a16="http://schemas.microsoft.com/office/drawing/2014/main" id="{A76560A5-3801-17CD-9C39-CAED4D5A59B5}"/>
               </a:ext>
             </a:extLst>
           </p:cNvPr>
@@ -840,7 +840,7 @@
           <p:cNvPr id="4" name="日期占位符 3">
             <a:extLst>
               <a:ext uri="{FF2B5EF4-FFF2-40B4-BE49-F238E27FC236}">
-                <a16:creationId xmlns:a16="http://schemas.microsoft.com/office/drawing/2014/main" id="{57D8C08B-3462-56E4-4685-A192350D0136}"/>
+                <a16:creationId xmlns:a16="http://schemas.microsoft.com/office/drawing/2014/main" id="{984125EB-52D6-85C5-8847-46B294B58923}"/>
               </a:ext>
             </a:extLst>
           </p:cNvPr>
@@ -856,7 +856,7 @@
           <a:bodyPr/>
           <a:lstStyle/>
           <a:p>
-            <a:fld id="{AD218DC9-BBA5-46FD-B859-E5335E19F267}" type="datetimeFigureOut">
+            <a:fld id="{04C7B844-370A-47E7-96BD-B32B3EDDCE53}" type="datetimeFigureOut">
               <a:rPr lang="zh-CN" altLang="en-US" smtClean="0"/>
               <a:t>2024/3/10</a:t>
             </a:fld>
@@ -869,7 +869,7 @@
           <p:cNvPr id="5" name="页脚占位符 4">
             <a:extLst>
               <a:ext uri="{FF2B5EF4-FFF2-40B4-BE49-F238E27FC236}">
-                <a16:creationId xmlns:a16="http://schemas.microsoft.com/office/drawing/2014/main" id="{FBDECBCB-25EC-29DB-16EE-E6D9F1C499FE}"/>
+                <a16:creationId xmlns:a16="http://schemas.microsoft.com/office/drawing/2014/main" id="{2FD0C1DA-3F4C-609E-EF67-F4EEE07ED309}"/>
               </a:ext>
             </a:extLst>
           </p:cNvPr>
@@ -894,7 +894,7 @@
           <p:cNvPr id="6" name="灯片编号占位符 5">
             <a:extLst>
               <a:ext uri="{FF2B5EF4-FFF2-40B4-BE49-F238E27FC236}">
-                <a16:creationId xmlns:a16="http://schemas.microsoft.com/office/drawing/2014/main" id="{3F60EEBD-18C7-7078-B3C4-BE2F02F8D2BD}"/>
+                <a16:creationId xmlns:a16="http://schemas.microsoft.com/office/drawing/2014/main" id="{03E10BEF-99DF-DECD-5ABD-ABB30E0AEB12}"/>
               </a:ext>
             </a:extLst>
           </p:cNvPr>
@@ -910,7 +910,7 @@
           <a:bodyPr/>
           <a:lstStyle/>
           <a:p>
-            <a:fld id="{78E61504-21A7-4A53-9DAF-D3614DFE30F6}" type="slidenum">
+            <a:fld id="{EE006A82-9F4E-416B-B8D3-9E3A65DBC383}" type="slidenum">
               <a:rPr lang="zh-CN" altLang="en-US" smtClean="0"/>
               <a:t>‹#›</a:t>
             </a:fld>
@@ -921,7 +921,7 @@
     </p:spTree>
     <p:extLst>
       <p:ext uri="{BB962C8B-B14F-4D97-AF65-F5344CB8AC3E}">
-        <p14:creationId xmlns:p14="http://schemas.microsoft.com/office/powerpoint/2010/main" val="3864372990"/>
+        <p14:creationId xmlns:p14="http://schemas.microsoft.com/office/powerpoint/2010/main" val="4115516925"/>
       </p:ext>
     </p:extLst>
   </p:cSld>
@@ -953,7 +953,7 @@
           <p:cNvPr id="2" name="标题 1">
             <a:extLst>
               <a:ext uri="{FF2B5EF4-FFF2-40B4-BE49-F238E27FC236}">
-                <a16:creationId xmlns:a16="http://schemas.microsoft.com/office/drawing/2014/main" id="{31CE49D9-1322-C25A-5689-96DE00A7A899}"/>
+                <a16:creationId xmlns:a16="http://schemas.microsoft.com/office/drawing/2014/main" id="{4DEF1DCA-544B-E126-3220-9CA068313042}"/>
               </a:ext>
             </a:extLst>
           </p:cNvPr>
@@ -990,7 +990,7 @@
           <p:cNvPr id="3" name="文本占位符 2">
             <a:extLst>
               <a:ext uri="{FF2B5EF4-FFF2-40B4-BE49-F238E27FC236}">
-                <a16:creationId xmlns:a16="http://schemas.microsoft.com/office/drawing/2014/main" id="{CEE2C0AF-0BF8-9730-04DE-55EF7D06A2BF}"/>
+                <a16:creationId xmlns:a16="http://schemas.microsoft.com/office/drawing/2014/main" id="{D389B201-887B-2853-5138-F92B3A92F4B2}"/>
               </a:ext>
             </a:extLst>
           </p:cNvPr>
@@ -1115,7 +1115,7 @@
           <p:cNvPr id="4" name="日期占位符 3">
             <a:extLst>
               <a:ext uri="{FF2B5EF4-FFF2-40B4-BE49-F238E27FC236}">
-                <a16:creationId xmlns:a16="http://schemas.microsoft.com/office/drawing/2014/main" id="{6B1DA6F0-BE60-DA43-9C70-10DAC6871130}"/>
+                <a16:creationId xmlns:a16="http://schemas.microsoft.com/office/drawing/2014/main" id="{7C027A41-3292-3C3D-D888-B5E59C561F56}"/>
               </a:ext>
             </a:extLst>
           </p:cNvPr>
@@ -1131,7 +1131,7 @@
           <a:bodyPr/>
           <a:lstStyle/>
           <a:p>
-            <a:fld id="{AD218DC9-BBA5-46FD-B859-E5335E19F267}" type="datetimeFigureOut">
+            <a:fld id="{04C7B844-370A-47E7-96BD-B32B3EDDCE53}" type="datetimeFigureOut">
               <a:rPr lang="zh-CN" altLang="en-US" smtClean="0"/>
               <a:t>2024/3/10</a:t>
             </a:fld>
@@ -1144,7 +1144,7 @@
           <p:cNvPr id="5" name="页脚占位符 4">
             <a:extLst>
               <a:ext uri="{FF2B5EF4-FFF2-40B4-BE49-F238E27FC236}">
-                <a16:creationId xmlns:a16="http://schemas.microsoft.com/office/drawing/2014/main" id="{36C13E2A-AB6F-B0C9-A05F-959F877AA247}"/>
+                <a16:creationId xmlns:a16="http://schemas.microsoft.com/office/drawing/2014/main" id="{568468EC-7137-6FE6-B3E0-0BCC317275BB}"/>
               </a:ext>
             </a:extLst>
           </p:cNvPr>
@@ -1169,7 +1169,7 @@
           <p:cNvPr id="6" name="灯片编号占位符 5">
             <a:extLst>
               <a:ext uri="{FF2B5EF4-FFF2-40B4-BE49-F238E27FC236}">
-                <a16:creationId xmlns:a16="http://schemas.microsoft.com/office/drawing/2014/main" id="{F69A3A0D-1929-ACBF-CF21-DD8134FF2F2D}"/>
+                <a16:creationId xmlns:a16="http://schemas.microsoft.com/office/drawing/2014/main" id="{8C657A4F-8997-DD93-D3D7-33033DF8838D}"/>
               </a:ext>
             </a:extLst>
           </p:cNvPr>
@@ -1185,7 +1185,7 @@
           <a:bodyPr/>
           <a:lstStyle/>
           <a:p>
-            <a:fld id="{78E61504-21A7-4A53-9DAF-D3614DFE30F6}" type="slidenum">
+            <a:fld id="{EE006A82-9F4E-416B-B8D3-9E3A65DBC383}" type="slidenum">
               <a:rPr lang="zh-CN" altLang="en-US" smtClean="0"/>
               <a:t>‹#›</a:t>
             </a:fld>
@@ -1196,7 +1196,7 @@
     </p:spTree>
     <p:extLst>
       <p:ext uri="{BB962C8B-B14F-4D97-AF65-F5344CB8AC3E}">
-        <p14:creationId xmlns:p14="http://schemas.microsoft.com/office/powerpoint/2010/main" val="2281391016"/>
+        <p14:creationId xmlns:p14="http://schemas.microsoft.com/office/powerpoint/2010/main" val="535611278"/>
       </p:ext>
     </p:extLst>
   </p:cSld>
@@ -1228,7 +1228,7 @@
           <p:cNvPr id="2" name="标题 1">
             <a:extLst>
               <a:ext uri="{FF2B5EF4-FFF2-40B4-BE49-F238E27FC236}">
-                <a16:creationId xmlns:a16="http://schemas.microsoft.com/office/drawing/2014/main" id="{12A4CA87-1246-1605-3EC6-C18D683AAE60}"/>
+                <a16:creationId xmlns:a16="http://schemas.microsoft.com/office/drawing/2014/main" id="{67F1C610-02EB-7B2F-6FCA-7C6FA0B3A78D}"/>
               </a:ext>
             </a:extLst>
           </p:cNvPr>
@@ -1256,7 +1256,7 @@
           <p:cNvPr id="3" name="内容占位符 2">
             <a:extLst>
               <a:ext uri="{FF2B5EF4-FFF2-40B4-BE49-F238E27FC236}">
-                <a16:creationId xmlns:a16="http://schemas.microsoft.com/office/drawing/2014/main" id="{550C9497-C968-9019-A970-A347C6869456}"/>
+                <a16:creationId xmlns:a16="http://schemas.microsoft.com/office/drawing/2014/main" id="{A8866A6C-D175-A30B-7598-CEA6EF30727F}"/>
               </a:ext>
             </a:extLst>
           </p:cNvPr>
@@ -1318,7 +1318,7 @@
           <p:cNvPr id="4" name="内容占位符 3">
             <a:extLst>
               <a:ext uri="{FF2B5EF4-FFF2-40B4-BE49-F238E27FC236}">
-                <a16:creationId xmlns:a16="http://schemas.microsoft.com/office/drawing/2014/main" id="{FBF35F8C-475D-DF55-2925-3D1ABCC7FFEA}"/>
+                <a16:creationId xmlns:a16="http://schemas.microsoft.com/office/drawing/2014/main" id="{4525720F-42D3-BC4B-DAEE-76B4119EAD44}"/>
               </a:ext>
             </a:extLst>
           </p:cNvPr>
@@ -1380,7 +1380,7 @@
           <p:cNvPr id="5" name="日期占位符 4">
             <a:extLst>
               <a:ext uri="{FF2B5EF4-FFF2-40B4-BE49-F238E27FC236}">
-                <a16:creationId xmlns:a16="http://schemas.microsoft.com/office/drawing/2014/main" id="{F570BEDB-0C1F-FEAF-C9AF-C8D93F544D95}"/>
+                <a16:creationId xmlns:a16="http://schemas.microsoft.com/office/drawing/2014/main" id="{1315F51A-B2BB-A7AC-2B95-69DA3FCF47FD}"/>
               </a:ext>
             </a:extLst>
           </p:cNvPr>
@@ -1396,7 +1396,7 @@
           <a:bodyPr/>
           <a:lstStyle/>
           <a:p>
-            <a:fld id="{AD218DC9-BBA5-46FD-B859-E5335E19F267}" type="datetimeFigureOut">
+            <a:fld id="{04C7B844-370A-47E7-96BD-B32B3EDDCE53}" type="datetimeFigureOut">
               <a:rPr lang="zh-CN" altLang="en-US" smtClean="0"/>
               <a:t>2024/3/10</a:t>
             </a:fld>
@@ -1409,7 +1409,7 @@
           <p:cNvPr id="6" name="页脚占位符 5">
             <a:extLst>
               <a:ext uri="{FF2B5EF4-FFF2-40B4-BE49-F238E27FC236}">
-                <a16:creationId xmlns:a16="http://schemas.microsoft.com/office/drawing/2014/main" id="{74D416E1-D9D0-916D-F663-51927A72B72C}"/>
+                <a16:creationId xmlns:a16="http://schemas.microsoft.com/office/drawing/2014/main" id="{39760878-AC69-F8F9-DA0E-C53F72B55A8D}"/>
               </a:ext>
             </a:extLst>
           </p:cNvPr>
@@ -1434,7 +1434,7 @@
           <p:cNvPr id="7" name="灯片编号占位符 6">
             <a:extLst>
               <a:ext uri="{FF2B5EF4-FFF2-40B4-BE49-F238E27FC236}">
-                <a16:creationId xmlns:a16="http://schemas.microsoft.com/office/drawing/2014/main" id="{6E461FF7-5FDE-EF70-C75C-75EE0293D0F2}"/>
+                <a16:creationId xmlns:a16="http://schemas.microsoft.com/office/drawing/2014/main" id="{90F4A8D7-90F0-832D-9D84-7D0231976C55}"/>
               </a:ext>
             </a:extLst>
           </p:cNvPr>
@@ -1450,7 +1450,7 @@
           <a:bodyPr/>
           <a:lstStyle/>
           <a:p>
-            <a:fld id="{78E61504-21A7-4A53-9DAF-D3614DFE30F6}" type="slidenum">
+            <a:fld id="{EE006A82-9F4E-416B-B8D3-9E3A65DBC383}" type="slidenum">
               <a:rPr lang="zh-CN" altLang="en-US" smtClean="0"/>
               <a:t>‹#›</a:t>
             </a:fld>
@@ -1461,7 +1461,7 @@
     </p:spTree>
     <p:extLst>
       <p:ext uri="{BB962C8B-B14F-4D97-AF65-F5344CB8AC3E}">
-        <p14:creationId xmlns:p14="http://schemas.microsoft.com/office/powerpoint/2010/main" val="3660965512"/>
+        <p14:creationId xmlns:p14="http://schemas.microsoft.com/office/powerpoint/2010/main" val="2430629422"/>
       </p:ext>
     </p:extLst>
   </p:cSld>
@@ -1493,7 +1493,7 @@
           <p:cNvPr id="2" name="标题 1">
             <a:extLst>
               <a:ext uri="{FF2B5EF4-FFF2-40B4-BE49-F238E27FC236}">
-                <a16:creationId xmlns:a16="http://schemas.microsoft.com/office/drawing/2014/main" id="{B9E7F633-1C89-3562-FE6B-D1EAFC2D528D}"/>
+                <a16:creationId xmlns:a16="http://schemas.microsoft.com/office/drawing/2014/main" id="{CD958BDA-8EBA-83F7-5670-E2CD5CE7009E}"/>
               </a:ext>
             </a:extLst>
           </p:cNvPr>
@@ -1526,7 +1526,7 @@
           <p:cNvPr id="3" name="文本占位符 2">
             <a:extLst>
               <a:ext uri="{FF2B5EF4-FFF2-40B4-BE49-F238E27FC236}">
-                <a16:creationId xmlns:a16="http://schemas.microsoft.com/office/drawing/2014/main" id="{5D9EE627-510C-A005-00CD-30E9D5106F54}"/>
+                <a16:creationId xmlns:a16="http://schemas.microsoft.com/office/drawing/2014/main" id="{0AA55994-EF08-9B35-9FBB-36FF6E32FB7E}"/>
               </a:ext>
             </a:extLst>
           </p:cNvPr>
@@ -1597,7 +1597,7 @@
           <p:cNvPr id="4" name="内容占位符 3">
             <a:extLst>
               <a:ext uri="{FF2B5EF4-FFF2-40B4-BE49-F238E27FC236}">
-                <a16:creationId xmlns:a16="http://schemas.microsoft.com/office/drawing/2014/main" id="{FEDF52D4-8496-21BB-F3EB-ABE76C6E9CF9}"/>
+                <a16:creationId xmlns:a16="http://schemas.microsoft.com/office/drawing/2014/main" id="{E3237716-19B7-7808-76B3-74F3F4D5CE19}"/>
               </a:ext>
             </a:extLst>
           </p:cNvPr>
@@ -1659,7 +1659,7 @@
           <p:cNvPr id="5" name="文本占位符 4">
             <a:extLst>
               <a:ext uri="{FF2B5EF4-FFF2-40B4-BE49-F238E27FC236}">
-                <a16:creationId xmlns:a16="http://schemas.microsoft.com/office/drawing/2014/main" id="{4F4BD90E-8DEA-84E0-A643-9FB71AE28646}"/>
+                <a16:creationId xmlns:a16="http://schemas.microsoft.com/office/drawing/2014/main" id="{38228ECF-AE6B-49A7-3D22-6771F46EBADA}"/>
               </a:ext>
             </a:extLst>
           </p:cNvPr>
@@ -1730,7 +1730,7 @@
           <p:cNvPr id="6" name="内容占位符 5">
             <a:extLst>
               <a:ext uri="{FF2B5EF4-FFF2-40B4-BE49-F238E27FC236}">
-                <a16:creationId xmlns:a16="http://schemas.microsoft.com/office/drawing/2014/main" id="{6E51EE50-3C74-987E-B2DC-DA2DCE6F321B}"/>
+                <a16:creationId xmlns:a16="http://schemas.microsoft.com/office/drawing/2014/main" id="{0020E77F-726B-308A-4876-0ACD873879CD}"/>
               </a:ext>
             </a:extLst>
           </p:cNvPr>
@@ -1792,7 +1792,7 @@
           <p:cNvPr id="7" name="日期占位符 6">
             <a:extLst>
               <a:ext uri="{FF2B5EF4-FFF2-40B4-BE49-F238E27FC236}">
-                <a16:creationId xmlns:a16="http://schemas.microsoft.com/office/drawing/2014/main" id="{0C9AB92C-8CDB-F345-F7DE-E44E88F3FA14}"/>
+                <a16:creationId xmlns:a16="http://schemas.microsoft.com/office/drawing/2014/main" id="{03374266-4EDB-D3A3-88D5-4AD14F4C5912}"/>
               </a:ext>
             </a:extLst>
           </p:cNvPr>
@@ -1808,7 +1808,7 @@
           <a:bodyPr/>
           <a:lstStyle/>
           <a:p>
-            <a:fld id="{AD218DC9-BBA5-46FD-B859-E5335E19F267}" type="datetimeFigureOut">
+            <a:fld id="{04C7B844-370A-47E7-96BD-B32B3EDDCE53}" type="datetimeFigureOut">
               <a:rPr lang="zh-CN" altLang="en-US" smtClean="0"/>
               <a:t>2024/3/10</a:t>
             </a:fld>
@@ -1821,7 +1821,7 @@
           <p:cNvPr id="8" name="页脚占位符 7">
             <a:extLst>
               <a:ext uri="{FF2B5EF4-FFF2-40B4-BE49-F238E27FC236}">
-                <a16:creationId xmlns:a16="http://schemas.microsoft.com/office/drawing/2014/main" id="{7B1F1756-64DC-6E9E-CD0C-FF1EE30518E0}"/>
+                <a16:creationId xmlns:a16="http://schemas.microsoft.com/office/drawing/2014/main" id="{FCDDE206-07A1-B56A-1389-EAC27390F5EC}"/>
               </a:ext>
             </a:extLst>
           </p:cNvPr>
@@ -1846,7 +1846,7 @@
           <p:cNvPr id="9" name="灯片编号占位符 8">
             <a:extLst>
               <a:ext uri="{FF2B5EF4-FFF2-40B4-BE49-F238E27FC236}">
-                <a16:creationId xmlns:a16="http://schemas.microsoft.com/office/drawing/2014/main" id="{0551E278-ED33-9644-BF9A-6DAA4EDBBA5B}"/>
+                <a16:creationId xmlns:a16="http://schemas.microsoft.com/office/drawing/2014/main" id="{BE139630-2BB9-ACFA-A7B3-9FF8980AEA4C}"/>
               </a:ext>
             </a:extLst>
           </p:cNvPr>
@@ -1862,7 +1862,7 @@
           <a:bodyPr/>
           <a:lstStyle/>
           <a:p>
-            <a:fld id="{78E61504-21A7-4A53-9DAF-D3614DFE30F6}" type="slidenum">
+            <a:fld id="{EE006A82-9F4E-416B-B8D3-9E3A65DBC383}" type="slidenum">
               <a:rPr lang="zh-CN" altLang="en-US" smtClean="0"/>
               <a:t>‹#›</a:t>
             </a:fld>
@@ -1873,7 +1873,7 @@
     </p:spTree>
     <p:extLst>
       <p:ext uri="{BB962C8B-B14F-4D97-AF65-F5344CB8AC3E}">
-        <p14:creationId xmlns:p14="http://schemas.microsoft.com/office/powerpoint/2010/main" val="1717330690"/>
+        <p14:creationId xmlns:p14="http://schemas.microsoft.com/office/powerpoint/2010/main" val="1771085437"/>
       </p:ext>
     </p:extLst>
   </p:cSld>
@@ -1905,7 +1905,7 @@
           <p:cNvPr id="2" name="标题 1">
             <a:extLst>
               <a:ext uri="{FF2B5EF4-FFF2-40B4-BE49-F238E27FC236}">
-                <a16:creationId xmlns:a16="http://schemas.microsoft.com/office/drawing/2014/main" id="{E09699D6-0EDD-6B47-82E9-15AF9C2B100B}"/>
+                <a16:creationId xmlns:a16="http://schemas.microsoft.com/office/drawing/2014/main" id="{20A2EEB2-EFC9-A928-4F01-B41D5FF4CCDA}"/>
               </a:ext>
             </a:extLst>
           </p:cNvPr>
@@ -1933,7 +1933,7 @@
           <p:cNvPr id="3" name="日期占位符 2">
             <a:extLst>
               <a:ext uri="{FF2B5EF4-FFF2-40B4-BE49-F238E27FC236}">
-                <a16:creationId xmlns:a16="http://schemas.microsoft.com/office/drawing/2014/main" id="{F34BB083-3080-1146-0DBC-810CD25F2358}"/>
+                <a16:creationId xmlns:a16="http://schemas.microsoft.com/office/drawing/2014/main" id="{4037CC92-7C44-8D8D-3CF7-F07221714CC2}"/>
               </a:ext>
             </a:extLst>
           </p:cNvPr>
@@ -1949,7 +1949,7 @@
           <a:bodyPr/>
           <a:lstStyle/>
           <a:p>
-            <a:fld id="{AD218DC9-BBA5-46FD-B859-E5335E19F267}" type="datetimeFigureOut">
+            <a:fld id="{04C7B844-370A-47E7-96BD-B32B3EDDCE53}" type="datetimeFigureOut">
               <a:rPr lang="zh-CN" altLang="en-US" smtClean="0"/>
               <a:t>2024/3/10</a:t>
             </a:fld>
@@ -1962,7 +1962,7 @@
           <p:cNvPr id="4" name="页脚占位符 3">
             <a:extLst>
               <a:ext uri="{FF2B5EF4-FFF2-40B4-BE49-F238E27FC236}">
-                <a16:creationId xmlns:a16="http://schemas.microsoft.com/office/drawing/2014/main" id="{A3957917-2212-F6EF-7E32-F45E2F590ED1}"/>
+                <a16:creationId xmlns:a16="http://schemas.microsoft.com/office/drawing/2014/main" id="{3B8C3440-6B04-62E8-4C09-5F48509C66F9}"/>
               </a:ext>
             </a:extLst>
           </p:cNvPr>
@@ -1987,7 +1987,7 @@
           <p:cNvPr id="5" name="灯片编号占位符 4">
             <a:extLst>
               <a:ext uri="{FF2B5EF4-FFF2-40B4-BE49-F238E27FC236}">
-                <a16:creationId xmlns:a16="http://schemas.microsoft.com/office/drawing/2014/main" id="{8DAC0D21-645F-8834-1206-E94122A2B43D}"/>
+                <a16:creationId xmlns:a16="http://schemas.microsoft.com/office/drawing/2014/main" id="{A37E1459-9856-0793-F542-B9CF6F02C209}"/>
               </a:ext>
             </a:extLst>
           </p:cNvPr>
@@ -2003,7 +2003,7 @@
           <a:bodyPr/>
           <a:lstStyle/>
           <a:p>
-            <a:fld id="{78E61504-21A7-4A53-9DAF-D3614DFE30F6}" type="slidenum">
+            <a:fld id="{EE006A82-9F4E-416B-B8D3-9E3A65DBC383}" type="slidenum">
               <a:rPr lang="zh-CN" altLang="en-US" smtClean="0"/>
               <a:t>‹#›</a:t>
             </a:fld>
@@ -2014,7 +2014,7 @@
     </p:spTree>
     <p:extLst>
       <p:ext uri="{BB962C8B-B14F-4D97-AF65-F5344CB8AC3E}">
-        <p14:creationId xmlns:p14="http://schemas.microsoft.com/office/powerpoint/2010/main" val="2612195209"/>
+        <p14:creationId xmlns:p14="http://schemas.microsoft.com/office/powerpoint/2010/main" val="989766413"/>
       </p:ext>
     </p:extLst>
   </p:cSld>
@@ -2046,7 +2046,7 @@
           <p:cNvPr id="2" name="日期占位符 1">
             <a:extLst>
               <a:ext uri="{FF2B5EF4-FFF2-40B4-BE49-F238E27FC236}">
-                <a16:creationId xmlns:a16="http://schemas.microsoft.com/office/drawing/2014/main" id="{BA7EE737-AD93-1E2D-4E38-72E0C34C6E42}"/>
+                <a16:creationId xmlns:a16="http://schemas.microsoft.com/office/drawing/2014/main" id="{178F9720-C2E7-7482-3F61-E81C5A39F470}"/>
               </a:ext>
             </a:extLst>
           </p:cNvPr>
@@ -2062,7 +2062,7 @@
           <a:bodyPr/>
           <a:lstStyle/>
           <a:p>
-            <a:fld id="{AD218DC9-BBA5-46FD-B859-E5335E19F267}" type="datetimeFigureOut">
+            <a:fld id="{04C7B844-370A-47E7-96BD-B32B3EDDCE53}" type="datetimeFigureOut">
               <a:rPr lang="zh-CN" altLang="en-US" smtClean="0"/>
               <a:t>2024/3/10</a:t>
             </a:fld>
@@ -2075,7 +2075,7 @@
           <p:cNvPr id="3" name="页脚占位符 2">
             <a:extLst>
               <a:ext uri="{FF2B5EF4-FFF2-40B4-BE49-F238E27FC236}">
-                <a16:creationId xmlns:a16="http://schemas.microsoft.com/office/drawing/2014/main" id="{1FBDC264-428E-36D8-D256-A10B676AB32D}"/>
+                <a16:creationId xmlns:a16="http://schemas.microsoft.com/office/drawing/2014/main" id="{EB1D218D-A5C8-17CF-C530-20075C29390D}"/>
               </a:ext>
             </a:extLst>
           </p:cNvPr>
@@ -2100,7 +2100,7 @@
           <p:cNvPr id="4" name="灯片编号占位符 3">
             <a:extLst>
               <a:ext uri="{FF2B5EF4-FFF2-40B4-BE49-F238E27FC236}">
-                <a16:creationId xmlns:a16="http://schemas.microsoft.com/office/drawing/2014/main" id="{9D43B746-D707-C088-8699-9DE6F5DB3DC7}"/>
+                <a16:creationId xmlns:a16="http://schemas.microsoft.com/office/drawing/2014/main" id="{E0B7849F-446F-3C6F-461F-75342B254D11}"/>
               </a:ext>
             </a:extLst>
           </p:cNvPr>
@@ -2116,7 +2116,7 @@
           <a:bodyPr/>
           <a:lstStyle/>
           <a:p>
-            <a:fld id="{78E61504-21A7-4A53-9DAF-D3614DFE30F6}" type="slidenum">
+            <a:fld id="{EE006A82-9F4E-416B-B8D3-9E3A65DBC383}" type="slidenum">
               <a:rPr lang="zh-CN" altLang="en-US" smtClean="0"/>
               <a:t>‹#›</a:t>
             </a:fld>
@@ -2127,7 +2127,7 @@
     </p:spTree>
     <p:extLst>
       <p:ext uri="{BB962C8B-B14F-4D97-AF65-F5344CB8AC3E}">
-        <p14:creationId xmlns:p14="http://schemas.microsoft.com/office/powerpoint/2010/main" val="4209176874"/>
+        <p14:creationId xmlns:p14="http://schemas.microsoft.com/office/powerpoint/2010/main" val="1580510115"/>
       </p:ext>
     </p:extLst>
   </p:cSld>
@@ -2159,7 +2159,7 @@
           <p:cNvPr id="2" name="标题 1">
             <a:extLst>
               <a:ext uri="{FF2B5EF4-FFF2-40B4-BE49-F238E27FC236}">
-                <a16:creationId xmlns:a16="http://schemas.microsoft.com/office/drawing/2014/main" id="{E9AED6AF-F3DF-DE9F-57AF-99224F23F087}"/>
+                <a16:creationId xmlns:a16="http://schemas.microsoft.com/office/drawing/2014/main" id="{42BE4D22-62AB-5B26-0F23-7D5A5501234F}"/>
               </a:ext>
             </a:extLst>
           </p:cNvPr>
@@ -2196,7 +2196,7 @@
           <p:cNvPr id="3" name="内容占位符 2">
             <a:extLst>
               <a:ext uri="{FF2B5EF4-FFF2-40B4-BE49-F238E27FC236}">
-                <a16:creationId xmlns:a16="http://schemas.microsoft.com/office/drawing/2014/main" id="{20278AE7-BB95-3D2E-7A32-2B667E10DDEC}"/>
+                <a16:creationId xmlns:a16="http://schemas.microsoft.com/office/drawing/2014/main" id="{616C894C-1D02-655F-9FE2-49B17E8CA731}"/>
               </a:ext>
             </a:extLst>
           </p:cNvPr>
@@ -2286,7 +2286,7 @@
           <p:cNvPr id="4" name="文本占位符 3">
             <a:extLst>
               <a:ext uri="{FF2B5EF4-FFF2-40B4-BE49-F238E27FC236}">
-                <a16:creationId xmlns:a16="http://schemas.microsoft.com/office/drawing/2014/main" id="{1C6A908A-6C6A-49CB-D2FA-96AFAE52C819}"/>
+                <a16:creationId xmlns:a16="http://schemas.microsoft.com/office/drawing/2014/main" id="{D41A31B8-71CE-7971-0F1C-43BE6F1CA316}"/>
               </a:ext>
             </a:extLst>
           </p:cNvPr>
@@ -2357,7 +2357,7 @@
           <p:cNvPr id="5" name="日期占位符 4">
             <a:extLst>
               <a:ext uri="{FF2B5EF4-FFF2-40B4-BE49-F238E27FC236}">
-                <a16:creationId xmlns:a16="http://schemas.microsoft.com/office/drawing/2014/main" id="{A082879F-21EC-F340-2495-3C8DE0B13CAC}"/>
+                <a16:creationId xmlns:a16="http://schemas.microsoft.com/office/drawing/2014/main" id="{0DED5B7B-075E-163B-CF1F-DAB868ECEA9C}"/>
               </a:ext>
             </a:extLst>
           </p:cNvPr>
@@ -2373,7 +2373,7 @@
           <a:bodyPr/>
           <a:lstStyle/>
           <a:p>
-            <a:fld id="{AD218DC9-BBA5-46FD-B859-E5335E19F267}" type="datetimeFigureOut">
+            <a:fld id="{04C7B844-370A-47E7-96BD-B32B3EDDCE53}" type="datetimeFigureOut">
               <a:rPr lang="zh-CN" altLang="en-US" smtClean="0"/>
               <a:t>2024/3/10</a:t>
             </a:fld>
@@ -2386,7 +2386,7 @@
           <p:cNvPr id="6" name="页脚占位符 5">
             <a:extLst>
               <a:ext uri="{FF2B5EF4-FFF2-40B4-BE49-F238E27FC236}">
-                <a16:creationId xmlns:a16="http://schemas.microsoft.com/office/drawing/2014/main" id="{50F1E087-8BC9-40F9-6511-60CD3301DE41}"/>
+                <a16:creationId xmlns:a16="http://schemas.microsoft.com/office/drawing/2014/main" id="{A796AC0D-523B-D8CE-9083-364AF68DD0CF}"/>
               </a:ext>
             </a:extLst>
           </p:cNvPr>
@@ -2411,7 +2411,7 @@
           <p:cNvPr id="7" name="灯片编号占位符 6">
             <a:extLst>
               <a:ext uri="{FF2B5EF4-FFF2-40B4-BE49-F238E27FC236}">
-                <a16:creationId xmlns:a16="http://schemas.microsoft.com/office/drawing/2014/main" id="{533CB04B-8BE9-9FE8-CA23-923CBD7F2C1C}"/>
+                <a16:creationId xmlns:a16="http://schemas.microsoft.com/office/drawing/2014/main" id="{B6AA5F2F-3AC3-631B-E76F-9B11B67D3EC0}"/>
               </a:ext>
             </a:extLst>
           </p:cNvPr>
@@ -2427,7 +2427,7 @@
           <a:bodyPr/>
           <a:lstStyle/>
           <a:p>
-            <a:fld id="{78E61504-21A7-4A53-9DAF-D3614DFE30F6}" type="slidenum">
+            <a:fld id="{EE006A82-9F4E-416B-B8D3-9E3A65DBC383}" type="slidenum">
               <a:rPr lang="zh-CN" altLang="en-US" smtClean="0"/>
               <a:t>‹#›</a:t>
             </a:fld>
@@ -2438,7 +2438,7 @@
     </p:spTree>
     <p:extLst>
       <p:ext uri="{BB962C8B-B14F-4D97-AF65-F5344CB8AC3E}">
-        <p14:creationId xmlns:p14="http://schemas.microsoft.com/office/powerpoint/2010/main" val="2828843914"/>
+        <p14:creationId xmlns:p14="http://schemas.microsoft.com/office/powerpoint/2010/main" val="40851927"/>
       </p:ext>
     </p:extLst>
   </p:cSld>
@@ -2470,7 +2470,7 @@
           <p:cNvPr id="2" name="标题 1">
             <a:extLst>
               <a:ext uri="{FF2B5EF4-FFF2-40B4-BE49-F238E27FC236}">
-                <a16:creationId xmlns:a16="http://schemas.microsoft.com/office/drawing/2014/main" id="{26188C64-747D-2AB6-08D8-9EFED51EF89C}"/>
+                <a16:creationId xmlns:a16="http://schemas.microsoft.com/office/drawing/2014/main" id="{84179C46-4C3F-6482-B2E6-C0A716A5A495}"/>
               </a:ext>
             </a:extLst>
           </p:cNvPr>
@@ -2507,7 +2507,7 @@
           <p:cNvPr id="3" name="图片占位符 2">
             <a:extLst>
               <a:ext uri="{FF2B5EF4-FFF2-40B4-BE49-F238E27FC236}">
-                <a16:creationId xmlns:a16="http://schemas.microsoft.com/office/drawing/2014/main" id="{1E1C3B84-5503-53EB-5359-266A383BE7AC}"/>
+                <a16:creationId xmlns:a16="http://schemas.microsoft.com/office/drawing/2014/main" id="{6B2C1622-4646-7867-005C-B486EA2D65F2}"/>
               </a:ext>
             </a:extLst>
           </p:cNvPr>
@@ -2574,7 +2574,7 @@
           <p:cNvPr id="4" name="文本占位符 3">
             <a:extLst>
               <a:ext uri="{FF2B5EF4-FFF2-40B4-BE49-F238E27FC236}">
-                <a16:creationId xmlns:a16="http://schemas.microsoft.com/office/drawing/2014/main" id="{B315A900-3C1D-B7B4-70B7-46B117881C7F}"/>
+                <a16:creationId xmlns:a16="http://schemas.microsoft.com/office/drawing/2014/main" id="{3403094F-A17E-9816-C307-83934C07C3AF}"/>
               </a:ext>
             </a:extLst>
           </p:cNvPr>
@@ -2645,7 +2645,7 @@
           <p:cNvPr id="5" name="日期占位符 4">
             <a:extLst>
               <a:ext uri="{FF2B5EF4-FFF2-40B4-BE49-F238E27FC236}">
-                <a16:creationId xmlns:a16="http://schemas.microsoft.com/office/drawing/2014/main" id="{F0B9282D-F8A3-69CF-10D0-521130346095}"/>
+                <a16:creationId xmlns:a16="http://schemas.microsoft.com/office/drawing/2014/main" id="{5ABB06B4-1011-2483-04D3-D34D366883E4}"/>
               </a:ext>
             </a:extLst>
           </p:cNvPr>
@@ -2661,7 +2661,7 @@
           <a:bodyPr/>
           <a:lstStyle/>
           <a:p>
-            <a:fld id="{AD218DC9-BBA5-46FD-B859-E5335E19F267}" type="datetimeFigureOut">
+            <a:fld id="{04C7B844-370A-47E7-96BD-B32B3EDDCE53}" type="datetimeFigureOut">
               <a:rPr lang="zh-CN" altLang="en-US" smtClean="0"/>
               <a:t>2024/3/10</a:t>
             </a:fld>
@@ -2674,7 +2674,7 @@
           <p:cNvPr id="6" name="页脚占位符 5">
             <a:extLst>
               <a:ext uri="{FF2B5EF4-FFF2-40B4-BE49-F238E27FC236}">
-                <a16:creationId xmlns:a16="http://schemas.microsoft.com/office/drawing/2014/main" id="{6644F930-5343-F1CF-A53E-BAFD5FDE43CA}"/>
+                <a16:creationId xmlns:a16="http://schemas.microsoft.com/office/drawing/2014/main" id="{74D64BD3-1110-06B6-D471-D5EB9021C366}"/>
               </a:ext>
             </a:extLst>
           </p:cNvPr>
@@ -2699,7 +2699,7 @@
           <p:cNvPr id="7" name="灯片编号占位符 6">
             <a:extLst>
               <a:ext uri="{FF2B5EF4-FFF2-40B4-BE49-F238E27FC236}">
-                <a16:creationId xmlns:a16="http://schemas.microsoft.com/office/drawing/2014/main" id="{F0738BDE-BC23-6964-7FF4-1D8399DF9005}"/>
+                <a16:creationId xmlns:a16="http://schemas.microsoft.com/office/drawing/2014/main" id="{AC3753B2-E853-10A6-3E49-72D2F638CBAD}"/>
               </a:ext>
             </a:extLst>
           </p:cNvPr>
@@ -2715,7 +2715,7 @@
           <a:bodyPr/>
           <a:lstStyle/>
           <a:p>
-            <a:fld id="{78E61504-21A7-4A53-9DAF-D3614DFE30F6}" type="slidenum">
+            <a:fld id="{EE006A82-9F4E-416B-B8D3-9E3A65DBC383}" type="slidenum">
               <a:rPr lang="zh-CN" altLang="en-US" smtClean="0"/>
               <a:t>‹#›</a:t>
             </a:fld>
@@ -2726,7 +2726,7 @@
     </p:spTree>
     <p:extLst>
       <p:ext uri="{BB962C8B-B14F-4D97-AF65-F5344CB8AC3E}">
-        <p14:creationId xmlns:p14="http://schemas.microsoft.com/office/powerpoint/2010/main" val="1275665333"/>
+        <p14:creationId xmlns:p14="http://schemas.microsoft.com/office/powerpoint/2010/main" val="1316118960"/>
       </p:ext>
     </p:extLst>
   </p:cSld>
@@ -2763,7 +2763,7 @@
           <p:cNvPr id="2" name="标题占位符 1">
             <a:extLst>
               <a:ext uri="{FF2B5EF4-FFF2-40B4-BE49-F238E27FC236}">
-                <a16:creationId xmlns:a16="http://schemas.microsoft.com/office/drawing/2014/main" id="{8B498AE6-6582-1937-E748-CABD0A575EFD}"/>
+                <a16:creationId xmlns:a16="http://schemas.microsoft.com/office/drawing/2014/main" id="{9453B7E9-96E7-464A-9F4B-2D023C475BD2}"/>
               </a:ext>
             </a:extLst>
           </p:cNvPr>
@@ -2801,7 +2801,7 @@
           <p:cNvPr id="3" name="文本占位符 2">
             <a:extLst>
               <a:ext uri="{FF2B5EF4-FFF2-40B4-BE49-F238E27FC236}">
-                <a16:creationId xmlns:a16="http://schemas.microsoft.com/office/drawing/2014/main" id="{9910ACF7-F128-82FE-2785-BC5E1155FC61}"/>
+                <a16:creationId xmlns:a16="http://schemas.microsoft.com/office/drawing/2014/main" id="{2FCA5585-0AD4-D8EA-D4D1-0F7FD143B457}"/>
               </a:ext>
             </a:extLst>
           </p:cNvPr>
@@ -2868,7 +2868,7 @@
           <p:cNvPr id="4" name="日期占位符 3">
             <a:extLst>
               <a:ext uri="{FF2B5EF4-FFF2-40B4-BE49-F238E27FC236}">
-                <a16:creationId xmlns:a16="http://schemas.microsoft.com/office/drawing/2014/main" id="{3A012A43-5650-8D0F-D13F-7262DCC34137}"/>
+                <a16:creationId xmlns:a16="http://schemas.microsoft.com/office/drawing/2014/main" id="{59A25B71-F135-D6BE-BFA4-38E2CA9AF78E}"/>
               </a:ext>
             </a:extLst>
           </p:cNvPr>
@@ -2902,7 +2902,7 @@
             </a:lvl1pPr>
           </a:lstStyle>
           <a:p>
-            <a:fld id="{AD218DC9-BBA5-46FD-B859-E5335E19F267}" type="datetimeFigureOut">
+            <a:fld id="{04C7B844-370A-47E7-96BD-B32B3EDDCE53}" type="datetimeFigureOut">
               <a:rPr lang="zh-CN" altLang="en-US" smtClean="0"/>
               <a:t>2024/3/10</a:t>
             </a:fld>
@@ -2915,7 +2915,7 @@
           <p:cNvPr id="5" name="页脚占位符 4">
             <a:extLst>
               <a:ext uri="{FF2B5EF4-FFF2-40B4-BE49-F238E27FC236}">
-                <a16:creationId xmlns:a16="http://schemas.microsoft.com/office/drawing/2014/main" id="{E18E98D6-AD9D-B532-92A1-018E55DD6405}"/>
+                <a16:creationId xmlns:a16="http://schemas.microsoft.com/office/drawing/2014/main" id="{D68469E8-32AC-2367-8ED6-1F8F41EE121B}"/>
               </a:ext>
             </a:extLst>
           </p:cNvPr>
@@ -2958,7 +2958,7 @@
           <p:cNvPr id="6" name="灯片编号占位符 5">
             <a:extLst>
               <a:ext uri="{FF2B5EF4-FFF2-40B4-BE49-F238E27FC236}">
-                <a16:creationId xmlns:a16="http://schemas.microsoft.com/office/drawing/2014/main" id="{D716ED1D-6098-9049-2688-2A80776EE3D6}"/>
+                <a16:creationId xmlns:a16="http://schemas.microsoft.com/office/drawing/2014/main" id="{7D40CA3B-5422-0F1E-51A2-C95C58B64C49}"/>
               </a:ext>
             </a:extLst>
           </p:cNvPr>
@@ -2992,7 +2992,7 @@
             </a:lvl1pPr>
           </a:lstStyle>
           <a:p>
-            <a:fld id="{78E61504-21A7-4A53-9DAF-D3614DFE30F6}" type="slidenum">
+            <a:fld id="{EE006A82-9F4E-416B-B8D3-9E3A65DBC383}" type="slidenum">
               <a:rPr lang="zh-CN" altLang="en-US" smtClean="0"/>
               <a:t>‹#›</a:t>
             </a:fld>
@@ -3003,7 +3003,7 @@
     </p:spTree>
     <p:extLst>
       <p:ext uri="{BB962C8B-B14F-4D97-AF65-F5344CB8AC3E}">
-        <p14:creationId xmlns:p14="http://schemas.microsoft.com/office/powerpoint/2010/main" val="3146332903"/>
+        <p14:creationId xmlns:p14="http://schemas.microsoft.com/office/powerpoint/2010/main" val="480458340"/>
       </p:ext>
     </p:extLst>
   </p:cSld>
@@ -3323,7 +3323,7 @@
       </p:grpSpPr>
       <p:pic>
         <p:nvPicPr>
-          <p:cNvPr id="1045506" name="Picture 2" descr="1020"/>
+          <p:cNvPr id="1046530" name="Picture 2" descr="1021"/>
           <p:cNvPicPr>
             <a:picLocks noChangeAspect="1" noChangeArrowheads="1"/>
           </p:cNvPicPr>
@@ -3344,8 +3344,8 @@
         </p:blipFill>
         <p:spPr bwMode="auto">
           <a:xfrm>
-            <a:off x="1614488" y="0"/>
-            <a:ext cx="9053512" cy="6789738"/>
+            <a:off x="1524000" y="1"/>
+            <a:ext cx="9124950" cy="6843713"/>
           </a:xfrm>
           <a:prstGeom prst="rect">
             <a:avLst/>
